--- a/Azure 通识.pptx
+++ b/Azure 通识.pptx
@@ -10,6 +10,10 @@
     <p:sldId id="261" r:id="rId4"/>
     <p:sldId id="262" r:id="rId5"/>
     <p:sldId id="263" r:id="rId6"/>
+    <p:sldId id="264" r:id="rId7"/>
+    <p:sldId id="265" r:id="rId8"/>
+    <p:sldId id="266" r:id="rId9"/>
+    <p:sldId id="267" r:id="rId10"/>
   </p:sldIdLst>
   <p:sldSz cx="12192000" cy="6858000"/>
   <p:notesSz cx="6858000" cy="9144000"/>
@@ -3351,10 +3355,10 @@
               <a:t>Azure </a:t>
             </a:r>
             <a:r>
-              <a:rPr lang="zh-CN" altLang="en-US"/>
+              <a:rPr lang="zh-CN" altLang="en-US" dirty="0"/>
               <a:t>通识</a:t>
             </a:r>
-            <a:endParaRPr lang="en-US"/>
+            <a:endParaRPr lang="en-US" dirty="0"/>
           </a:p>
         </p:txBody>
       </p:sp>
@@ -3827,6 +3831,446 @@
     <p:extLst>
       <p:ext uri="{BB962C8B-B14F-4D97-AF65-F5344CB8AC3E}">
         <p14:creationId xmlns:p14="http://schemas.microsoft.com/office/powerpoint/2010/main" val="3903739924"/>
+      </p:ext>
+    </p:extLst>
+  </p:cSld>
+  <p:clrMapOvr>
+    <a:masterClrMapping/>
+  </p:clrMapOvr>
+</p:sld>
+</file>
+
+<file path=ppt/slides/slide6.xml><?xml version="1.0" encoding="utf-8"?>
+<p:sld xmlns:a="http://schemas.openxmlformats.org/drawingml/2006/main" xmlns:r="http://schemas.openxmlformats.org/officeDocument/2006/relationships" xmlns:p="http://schemas.openxmlformats.org/presentationml/2006/main">
+  <p:cSld>
+    <p:spTree>
+      <p:nvGrpSpPr>
+        <p:cNvPr id="1" name=""/>
+        <p:cNvGrpSpPr/>
+        <p:nvPr/>
+      </p:nvGrpSpPr>
+      <p:grpSpPr>
+        <a:xfrm>
+          <a:off x="0" y="0"/>
+          <a:ext cx="0" cy="0"/>
+          <a:chOff x="0" y="0"/>
+          <a:chExt cx="0" cy="0"/>
+        </a:xfrm>
+      </p:grpSpPr>
+      <p:sp>
+        <p:nvSpPr>
+          <p:cNvPr id="2" name="Title 1">
+            <a:extLst>
+              <a:ext uri="{FF2B5EF4-FFF2-40B4-BE49-F238E27FC236}">
+                <a16:creationId xmlns:a16="http://schemas.microsoft.com/office/drawing/2014/main" id="{79429E7B-39AE-FCD1-CAE4-7DFD2D9DB7A2}"/>
+              </a:ext>
+            </a:extLst>
+          </p:cNvPr>
+          <p:cNvSpPr>
+            <a:spLocks noGrp="1"/>
+          </p:cNvSpPr>
+          <p:nvPr>
+            <p:ph type="title"/>
+          </p:nvPr>
+        </p:nvSpPr>
+        <p:spPr/>
+        <p:txBody>
+          <a:bodyPr/>
+          <a:lstStyle/>
+          <a:p>
+            <a:endParaRPr lang="en-US"/>
+          </a:p>
+        </p:txBody>
+      </p:sp>
+      <p:sp>
+        <p:nvSpPr>
+          <p:cNvPr id="3" name="Content Placeholder 2">
+            <a:extLst>
+              <a:ext uri="{FF2B5EF4-FFF2-40B4-BE49-F238E27FC236}">
+                <a16:creationId xmlns:a16="http://schemas.microsoft.com/office/drawing/2014/main" id="{6CB54F08-09B7-9D91-C3EA-E0429B8C03B4}"/>
+              </a:ext>
+            </a:extLst>
+          </p:cNvPr>
+          <p:cNvSpPr>
+            <a:spLocks noGrp="1"/>
+          </p:cNvSpPr>
+          <p:nvPr>
+            <p:ph idx="1"/>
+          </p:nvPr>
+        </p:nvSpPr>
+        <p:spPr/>
+        <p:txBody>
+          <a:bodyPr/>
+          <a:lstStyle/>
+          <a:p>
+            <a:endParaRPr lang="en-US"/>
+          </a:p>
+        </p:txBody>
+      </p:sp>
+      <p:pic>
+        <p:nvPicPr>
+          <p:cNvPr id="5" name="Picture 4">
+            <a:extLst>
+              <a:ext uri="{FF2B5EF4-FFF2-40B4-BE49-F238E27FC236}">
+                <a16:creationId xmlns:a16="http://schemas.microsoft.com/office/drawing/2014/main" id="{2ED67470-DDC4-3C1F-D903-C2408CB2D55C}"/>
+              </a:ext>
+            </a:extLst>
+          </p:cNvPr>
+          <p:cNvPicPr>
+            <a:picLocks noChangeAspect="1"/>
+          </p:cNvPicPr>
+          <p:nvPr/>
+        </p:nvPicPr>
+        <p:blipFill>
+          <a:blip r:embed="rId2"/>
+          <a:stretch>
+            <a:fillRect/>
+          </a:stretch>
+        </p:blipFill>
+        <p:spPr>
+          <a:xfrm>
+            <a:off x="0" y="169363"/>
+            <a:ext cx="12192000" cy="6519273"/>
+          </a:xfrm>
+          <a:prstGeom prst="rect">
+            <a:avLst/>
+          </a:prstGeom>
+        </p:spPr>
+      </p:pic>
+    </p:spTree>
+    <p:extLst>
+      <p:ext uri="{BB962C8B-B14F-4D97-AF65-F5344CB8AC3E}">
+        <p14:creationId xmlns:p14="http://schemas.microsoft.com/office/powerpoint/2010/main" val="635843472"/>
+      </p:ext>
+    </p:extLst>
+  </p:cSld>
+  <p:clrMapOvr>
+    <a:masterClrMapping/>
+  </p:clrMapOvr>
+</p:sld>
+</file>
+
+<file path=ppt/slides/slide7.xml><?xml version="1.0" encoding="utf-8"?>
+<p:sld xmlns:a="http://schemas.openxmlformats.org/drawingml/2006/main" xmlns:r="http://schemas.openxmlformats.org/officeDocument/2006/relationships" xmlns:p="http://schemas.openxmlformats.org/presentationml/2006/main">
+  <p:cSld>
+    <p:spTree>
+      <p:nvGrpSpPr>
+        <p:cNvPr id="1" name=""/>
+        <p:cNvGrpSpPr/>
+        <p:nvPr/>
+      </p:nvGrpSpPr>
+      <p:grpSpPr>
+        <a:xfrm>
+          <a:off x="0" y="0"/>
+          <a:ext cx="0" cy="0"/>
+          <a:chOff x="0" y="0"/>
+          <a:chExt cx="0" cy="0"/>
+        </a:xfrm>
+      </p:grpSpPr>
+      <p:sp>
+        <p:nvSpPr>
+          <p:cNvPr id="2" name="Title 1">
+            <a:extLst>
+              <a:ext uri="{FF2B5EF4-FFF2-40B4-BE49-F238E27FC236}">
+                <a16:creationId xmlns:a16="http://schemas.microsoft.com/office/drawing/2014/main" id="{27F7A4F3-7908-6B2F-E310-54A9BB3E964C}"/>
+              </a:ext>
+            </a:extLst>
+          </p:cNvPr>
+          <p:cNvSpPr>
+            <a:spLocks noGrp="1"/>
+          </p:cNvSpPr>
+          <p:nvPr>
+            <p:ph type="title"/>
+          </p:nvPr>
+        </p:nvSpPr>
+        <p:spPr/>
+        <p:txBody>
+          <a:bodyPr/>
+          <a:lstStyle/>
+          <a:p>
+            <a:endParaRPr lang="en-US"/>
+          </a:p>
+        </p:txBody>
+      </p:sp>
+      <p:sp>
+        <p:nvSpPr>
+          <p:cNvPr id="3" name="Content Placeholder 2">
+            <a:extLst>
+              <a:ext uri="{FF2B5EF4-FFF2-40B4-BE49-F238E27FC236}">
+                <a16:creationId xmlns:a16="http://schemas.microsoft.com/office/drawing/2014/main" id="{C058EDC7-AB3F-1065-EBA3-D0B337EFBD57}"/>
+              </a:ext>
+            </a:extLst>
+          </p:cNvPr>
+          <p:cNvSpPr>
+            <a:spLocks noGrp="1"/>
+          </p:cNvSpPr>
+          <p:nvPr>
+            <p:ph idx="1"/>
+          </p:nvPr>
+        </p:nvSpPr>
+        <p:spPr/>
+        <p:txBody>
+          <a:bodyPr/>
+          <a:lstStyle/>
+          <a:p>
+            <a:endParaRPr lang="en-US"/>
+          </a:p>
+        </p:txBody>
+      </p:sp>
+      <p:pic>
+        <p:nvPicPr>
+          <p:cNvPr id="5" name="Picture 4">
+            <a:extLst>
+              <a:ext uri="{FF2B5EF4-FFF2-40B4-BE49-F238E27FC236}">
+                <a16:creationId xmlns:a16="http://schemas.microsoft.com/office/drawing/2014/main" id="{C2556ECD-58A3-6EB8-42F4-E0BE7C051BA7}"/>
+              </a:ext>
+            </a:extLst>
+          </p:cNvPr>
+          <p:cNvPicPr>
+            <a:picLocks noChangeAspect="1"/>
+          </p:cNvPicPr>
+          <p:nvPr/>
+        </p:nvPicPr>
+        <p:blipFill>
+          <a:blip r:embed="rId2"/>
+          <a:stretch>
+            <a:fillRect/>
+          </a:stretch>
+        </p:blipFill>
+        <p:spPr>
+          <a:xfrm>
+            <a:off x="0" y="143464"/>
+            <a:ext cx="12192000" cy="6571071"/>
+          </a:xfrm>
+          <a:prstGeom prst="rect">
+            <a:avLst/>
+          </a:prstGeom>
+        </p:spPr>
+      </p:pic>
+    </p:spTree>
+    <p:extLst>
+      <p:ext uri="{BB962C8B-B14F-4D97-AF65-F5344CB8AC3E}">
+        <p14:creationId xmlns:p14="http://schemas.microsoft.com/office/powerpoint/2010/main" val="4164010195"/>
+      </p:ext>
+    </p:extLst>
+  </p:cSld>
+  <p:clrMapOvr>
+    <a:masterClrMapping/>
+  </p:clrMapOvr>
+</p:sld>
+</file>
+
+<file path=ppt/slides/slide8.xml><?xml version="1.0" encoding="utf-8"?>
+<p:sld xmlns:a="http://schemas.openxmlformats.org/drawingml/2006/main" xmlns:r="http://schemas.openxmlformats.org/officeDocument/2006/relationships" xmlns:p="http://schemas.openxmlformats.org/presentationml/2006/main">
+  <p:cSld>
+    <p:spTree>
+      <p:nvGrpSpPr>
+        <p:cNvPr id="1" name=""/>
+        <p:cNvGrpSpPr/>
+        <p:nvPr/>
+      </p:nvGrpSpPr>
+      <p:grpSpPr>
+        <a:xfrm>
+          <a:off x="0" y="0"/>
+          <a:ext cx="0" cy="0"/>
+          <a:chOff x="0" y="0"/>
+          <a:chExt cx="0" cy="0"/>
+        </a:xfrm>
+      </p:grpSpPr>
+      <p:sp>
+        <p:nvSpPr>
+          <p:cNvPr id="2" name="Title 1">
+            <a:extLst>
+              <a:ext uri="{FF2B5EF4-FFF2-40B4-BE49-F238E27FC236}">
+                <a16:creationId xmlns:a16="http://schemas.microsoft.com/office/drawing/2014/main" id="{66C3D03C-C42A-58E6-D4B8-141892622D32}"/>
+              </a:ext>
+            </a:extLst>
+          </p:cNvPr>
+          <p:cNvSpPr>
+            <a:spLocks noGrp="1"/>
+          </p:cNvSpPr>
+          <p:nvPr>
+            <p:ph type="title"/>
+          </p:nvPr>
+        </p:nvSpPr>
+        <p:spPr/>
+        <p:txBody>
+          <a:bodyPr/>
+          <a:lstStyle/>
+          <a:p>
+            <a:endParaRPr lang="en-US"/>
+          </a:p>
+        </p:txBody>
+      </p:sp>
+      <p:sp>
+        <p:nvSpPr>
+          <p:cNvPr id="3" name="Content Placeholder 2">
+            <a:extLst>
+              <a:ext uri="{FF2B5EF4-FFF2-40B4-BE49-F238E27FC236}">
+                <a16:creationId xmlns:a16="http://schemas.microsoft.com/office/drawing/2014/main" id="{FCBE5517-0912-6B26-04E5-7D69F601EE6D}"/>
+              </a:ext>
+            </a:extLst>
+          </p:cNvPr>
+          <p:cNvSpPr>
+            <a:spLocks noGrp="1"/>
+          </p:cNvSpPr>
+          <p:nvPr>
+            <p:ph idx="1"/>
+          </p:nvPr>
+        </p:nvSpPr>
+        <p:spPr/>
+        <p:txBody>
+          <a:bodyPr/>
+          <a:lstStyle/>
+          <a:p>
+            <a:endParaRPr lang="en-US"/>
+          </a:p>
+        </p:txBody>
+      </p:sp>
+      <p:pic>
+        <p:nvPicPr>
+          <p:cNvPr id="5" name="Picture 4">
+            <a:extLst>
+              <a:ext uri="{FF2B5EF4-FFF2-40B4-BE49-F238E27FC236}">
+                <a16:creationId xmlns:a16="http://schemas.microsoft.com/office/drawing/2014/main" id="{6898F24A-54AE-84B8-9B51-8D4DF613EA23}"/>
+              </a:ext>
+            </a:extLst>
+          </p:cNvPr>
+          <p:cNvPicPr>
+            <a:picLocks noChangeAspect="1"/>
+          </p:cNvPicPr>
+          <p:nvPr/>
+        </p:nvPicPr>
+        <p:blipFill>
+          <a:blip r:embed="rId2"/>
+          <a:stretch>
+            <a:fillRect/>
+          </a:stretch>
+        </p:blipFill>
+        <p:spPr>
+          <a:xfrm>
+            <a:off x="0" y="46732"/>
+            <a:ext cx="12192000" cy="6764536"/>
+          </a:xfrm>
+          <a:prstGeom prst="rect">
+            <a:avLst/>
+          </a:prstGeom>
+        </p:spPr>
+      </p:pic>
+    </p:spTree>
+    <p:extLst>
+      <p:ext uri="{BB962C8B-B14F-4D97-AF65-F5344CB8AC3E}">
+        <p14:creationId xmlns:p14="http://schemas.microsoft.com/office/powerpoint/2010/main" val="3192217661"/>
+      </p:ext>
+    </p:extLst>
+  </p:cSld>
+  <p:clrMapOvr>
+    <a:masterClrMapping/>
+  </p:clrMapOvr>
+</p:sld>
+</file>
+
+<file path=ppt/slides/slide9.xml><?xml version="1.0" encoding="utf-8"?>
+<p:sld xmlns:a="http://schemas.openxmlformats.org/drawingml/2006/main" xmlns:r="http://schemas.openxmlformats.org/officeDocument/2006/relationships" xmlns:p="http://schemas.openxmlformats.org/presentationml/2006/main">
+  <p:cSld>
+    <p:spTree>
+      <p:nvGrpSpPr>
+        <p:cNvPr id="1" name=""/>
+        <p:cNvGrpSpPr/>
+        <p:nvPr/>
+      </p:nvGrpSpPr>
+      <p:grpSpPr>
+        <a:xfrm>
+          <a:off x="0" y="0"/>
+          <a:ext cx="0" cy="0"/>
+          <a:chOff x="0" y="0"/>
+          <a:chExt cx="0" cy="0"/>
+        </a:xfrm>
+      </p:grpSpPr>
+      <p:sp>
+        <p:nvSpPr>
+          <p:cNvPr id="2" name="Title 1">
+            <a:extLst>
+              <a:ext uri="{FF2B5EF4-FFF2-40B4-BE49-F238E27FC236}">
+                <a16:creationId xmlns:a16="http://schemas.microsoft.com/office/drawing/2014/main" id="{234F46D7-0ECB-B270-E68F-7908BF535BED}"/>
+              </a:ext>
+            </a:extLst>
+          </p:cNvPr>
+          <p:cNvSpPr>
+            <a:spLocks noGrp="1"/>
+          </p:cNvSpPr>
+          <p:nvPr>
+            <p:ph type="title"/>
+          </p:nvPr>
+        </p:nvSpPr>
+        <p:spPr/>
+        <p:txBody>
+          <a:bodyPr/>
+          <a:lstStyle/>
+          <a:p>
+            <a:endParaRPr lang="en-US"/>
+          </a:p>
+        </p:txBody>
+      </p:sp>
+      <p:sp>
+        <p:nvSpPr>
+          <p:cNvPr id="3" name="Content Placeholder 2">
+            <a:extLst>
+              <a:ext uri="{FF2B5EF4-FFF2-40B4-BE49-F238E27FC236}">
+                <a16:creationId xmlns:a16="http://schemas.microsoft.com/office/drawing/2014/main" id="{443DD680-CA87-946D-FA77-AD743BD658A3}"/>
+              </a:ext>
+            </a:extLst>
+          </p:cNvPr>
+          <p:cNvSpPr>
+            <a:spLocks noGrp="1"/>
+          </p:cNvSpPr>
+          <p:nvPr>
+            <p:ph idx="1"/>
+          </p:nvPr>
+        </p:nvSpPr>
+        <p:spPr/>
+        <p:txBody>
+          <a:bodyPr/>
+          <a:lstStyle/>
+          <a:p>
+            <a:endParaRPr lang="en-US"/>
+          </a:p>
+        </p:txBody>
+      </p:sp>
+      <p:pic>
+        <p:nvPicPr>
+          <p:cNvPr id="5" name="Picture 4">
+            <a:extLst>
+              <a:ext uri="{FF2B5EF4-FFF2-40B4-BE49-F238E27FC236}">
+                <a16:creationId xmlns:a16="http://schemas.microsoft.com/office/drawing/2014/main" id="{915EA05A-66B1-BB26-5999-A12DB585C8A1}"/>
+              </a:ext>
+            </a:extLst>
+          </p:cNvPr>
+          <p:cNvPicPr>
+            <a:picLocks noChangeAspect="1"/>
+          </p:cNvPicPr>
+          <p:nvPr/>
+        </p:nvPicPr>
+        <p:blipFill>
+          <a:blip r:embed="rId2"/>
+          <a:stretch>
+            <a:fillRect/>
+          </a:stretch>
+        </p:blipFill>
+        <p:spPr>
+          <a:xfrm>
+            <a:off x="0" y="58166"/>
+            <a:ext cx="12192000" cy="6741668"/>
+          </a:xfrm>
+          <a:prstGeom prst="rect">
+            <a:avLst/>
+          </a:prstGeom>
+        </p:spPr>
+      </p:pic>
+    </p:spTree>
+    <p:extLst>
+      <p:ext uri="{BB962C8B-B14F-4D97-AF65-F5344CB8AC3E}">
+        <p14:creationId xmlns:p14="http://schemas.microsoft.com/office/powerpoint/2010/main" val="4292820994"/>
       </p:ext>
     </p:extLst>
   </p:cSld>
